--- a/app_android/앱_기초_구상.pptx
+++ b/app_android/앱_기초_구상.pptx
@@ -7,6 +7,7 @@
   <p:sldIdLst>
     <p:sldId id="257" r:id="rId2"/>
     <p:sldId id="256" r:id="rId3"/>
+    <p:sldId id="260" r:id="rId4"/>
   </p:sldIdLst>
   <p:sldSz cx="12192000" cy="6858000"/>
   <p:notesSz cx="6858000" cy="9144000"/>
@@ -105,6 +106,11 @@
       </a:defRPr>
     </a:lvl9pPr>
   </p:defaultTextStyle>
+  <p:extLst>
+    <p:ext uri="{EFAFB233-063F-42B5-8137-9DF3F51BA10A}">
+      <p15:sldGuideLst xmlns:p15="http://schemas.microsoft.com/office/powerpoint/2012/main"/>
+    </p:ext>
+  </p:extLst>
 </p:presentation>
 </file>
 
@@ -255,7 +261,7 @@
           <a:p>
             <a:fld id="{026DC481-F8B1-4226-861D-711A0DF6B804}" type="datetimeFigureOut">
               <a:rPr lang="ko-KR" altLang="en-US" smtClean="0"/>
-              <a:t>2022-10-19</a:t>
+              <a:t>2022-10-27</a:t>
             </a:fld>
             <a:endParaRPr lang="ko-KR" altLang="en-US"/>
           </a:p>
@@ -453,7 +459,7 @@
           <a:p>
             <a:fld id="{026DC481-F8B1-4226-861D-711A0DF6B804}" type="datetimeFigureOut">
               <a:rPr lang="ko-KR" altLang="en-US" smtClean="0"/>
-              <a:t>2022-10-19</a:t>
+              <a:t>2022-10-27</a:t>
             </a:fld>
             <a:endParaRPr lang="ko-KR" altLang="en-US"/>
           </a:p>
@@ -661,7 +667,7 @@
           <a:p>
             <a:fld id="{026DC481-F8B1-4226-861D-711A0DF6B804}" type="datetimeFigureOut">
               <a:rPr lang="ko-KR" altLang="en-US" smtClean="0"/>
-              <a:t>2022-10-19</a:t>
+              <a:t>2022-10-27</a:t>
             </a:fld>
             <a:endParaRPr lang="ko-KR" altLang="en-US"/>
           </a:p>
@@ -859,7 +865,7 @@
           <a:p>
             <a:fld id="{026DC481-F8B1-4226-861D-711A0DF6B804}" type="datetimeFigureOut">
               <a:rPr lang="ko-KR" altLang="en-US" smtClean="0"/>
-              <a:t>2022-10-19</a:t>
+              <a:t>2022-10-27</a:t>
             </a:fld>
             <a:endParaRPr lang="ko-KR" altLang="en-US"/>
           </a:p>
@@ -1134,7 +1140,7 @@
           <a:p>
             <a:fld id="{026DC481-F8B1-4226-861D-711A0DF6B804}" type="datetimeFigureOut">
               <a:rPr lang="ko-KR" altLang="en-US" smtClean="0"/>
-              <a:t>2022-10-19</a:t>
+              <a:t>2022-10-27</a:t>
             </a:fld>
             <a:endParaRPr lang="ko-KR" altLang="en-US"/>
           </a:p>
@@ -1399,7 +1405,7 @@
           <a:p>
             <a:fld id="{026DC481-F8B1-4226-861D-711A0DF6B804}" type="datetimeFigureOut">
               <a:rPr lang="ko-KR" altLang="en-US" smtClean="0"/>
-              <a:t>2022-10-19</a:t>
+              <a:t>2022-10-27</a:t>
             </a:fld>
             <a:endParaRPr lang="ko-KR" altLang="en-US"/>
           </a:p>
@@ -1811,7 +1817,7 @@
           <a:p>
             <a:fld id="{026DC481-F8B1-4226-861D-711A0DF6B804}" type="datetimeFigureOut">
               <a:rPr lang="ko-KR" altLang="en-US" smtClean="0"/>
-              <a:t>2022-10-19</a:t>
+              <a:t>2022-10-27</a:t>
             </a:fld>
             <a:endParaRPr lang="ko-KR" altLang="en-US"/>
           </a:p>
@@ -1952,7 +1958,7 @@
           <a:p>
             <a:fld id="{026DC481-F8B1-4226-861D-711A0DF6B804}" type="datetimeFigureOut">
               <a:rPr lang="ko-KR" altLang="en-US" smtClean="0"/>
-              <a:t>2022-10-19</a:t>
+              <a:t>2022-10-27</a:t>
             </a:fld>
             <a:endParaRPr lang="ko-KR" altLang="en-US"/>
           </a:p>
@@ -2065,7 +2071,7 @@
           <a:p>
             <a:fld id="{026DC481-F8B1-4226-861D-711A0DF6B804}" type="datetimeFigureOut">
               <a:rPr lang="ko-KR" altLang="en-US" smtClean="0"/>
-              <a:t>2022-10-19</a:t>
+              <a:t>2022-10-27</a:t>
             </a:fld>
             <a:endParaRPr lang="ko-KR" altLang="en-US"/>
           </a:p>
@@ -2376,7 +2382,7 @@
           <a:p>
             <a:fld id="{026DC481-F8B1-4226-861D-711A0DF6B804}" type="datetimeFigureOut">
               <a:rPr lang="ko-KR" altLang="en-US" smtClean="0"/>
-              <a:t>2022-10-19</a:t>
+              <a:t>2022-10-27</a:t>
             </a:fld>
             <a:endParaRPr lang="ko-KR" altLang="en-US"/>
           </a:p>
@@ -2664,7 +2670,7 @@
           <a:p>
             <a:fld id="{026DC481-F8B1-4226-861D-711A0DF6B804}" type="datetimeFigureOut">
               <a:rPr lang="ko-KR" altLang="en-US" smtClean="0"/>
-              <a:t>2022-10-19</a:t>
+              <a:t>2022-10-27</a:t>
             </a:fld>
             <a:endParaRPr lang="ko-KR" altLang="en-US"/>
           </a:p>
@@ -2905,7 +2911,7 @@
           <a:p>
             <a:fld id="{026DC481-F8B1-4226-861D-711A0DF6B804}" type="datetimeFigureOut">
               <a:rPr lang="ko-KR" altLang="en-US" smtClean="0"/>
-              <a:t>2022-10-19</a:t>
+              <a:t>2022-10-27</a:t>
             </a:fld>
             <a:endParaRPr lang="ko-KR" altLang="en-US"/>
           </a:p>
@@ -3715,15 +3721,11 @@
           <a:p>
             <a:r>
               <a:rPr lang="en-US" altLang="ko-KR" dirty="0"/>
-              <a:t>2. </a:t>
+              <a:t>1. </a:t>
             </a:r>
             <a:r>
               <a:rPr lang="ko-KR" altLang="en-US" dirty="0"/>
-              <a:t>사용자의 취향 </a:t>
-            </a:r>
-            <a:r>
-              <a:rPr lang="ko-KR" altLang="en-US" dirty="0" err="1"/>
-              <a:t>입력받기</a:t>
+              <a:t>사용자의 취향 알기</a:t>
             </a:r>
             <a:r>
               <a:rPr lang="en-US" altLang="ko-KR" dirty="0"/>
@@ -3775,7 +3777,7 @@
         </p:blipFill>
         <p:spPr>
           <a:xfrm>
-            <a:off x="3777082" y="156920"/>
+            <a:off x="2995850" y="210188"/>
             <a:ext cx="3189420" cy="5670080"/>
           </a:xfrm>
           <a:prstGeom prst="rect">
@@ -3833,7 +3835,7 @@
         </p:nvSpPr>
         <p:spPr>
           <a:xfrm>
-            <a:off x="3960797" y="5657370"/>
+            <a:off x="3179565" y="5710638"/>
             <a:ext cx="3269311" cy="646331"/>
           </a:xfrm>
           <a:prstGeom prst="rect">
@@ -3849,15 +3851,11 @@
           <a:p>
             <a:r>
               <a:rPr lang="en-US" altLang="ko-KR" dirty="0"/>
-              <a:t>3. </a:t>
+              <a:t>2. </a:t>
             </a:r>
             <a:r>
               <a:rPr lang="ko-KR" altLang="en-US" dirty="0"/>
-              <a:t>사용자의 취향 </a:t>
-            </a:r>
-            <a:r>
-              <a:rPr lang="ko-KR" altLang="en-US" dirty="0" err="1"/>
-              <a:t>입력받기</a:t>
+              <a:t>사용자의 취향 알기</a:t>
             </a:r>
             <a:r>
               <a:rPr lang="en-US" altLang="ko-KR" dirty="0"/>
@@ -3911,7 +3909,7 @@
           <a:p>
             <a:r>
               <a:rPr lang="en-US" altLang="ko-KR" dirty="0"/>
-              <a:t>4. </a:t>
+              <a:t>3. </a:t>
             </a:r>
             <a:r>
               <a:rPr lang="ko-KR" altLang="en-US" dirty="0"/>
@@ -4000,7 +3998,7 @@
         </p:nvSpPr>
         <p:spPr>
           <a:xfrm>
-            <a:off x="4219347" y="1129415"/>
+            <a:off x="3438115" y="1182683"/>
             <a:ext cx="2220416" cy="358803"/>
           </a:xfrm>
           <a:prstGeom prst="rect">
@@ -4059,14 +4057,14 @@
           <p:nvPr>
             <p:extLst>
               <p:ext uri="{D42A27DB-BD31-4B8C-83A1-F6EECF244321}">
-                <p14:modId xmlns:p14="http://schemas.microsoft.com/office/powerpoint/2010/main" val="176773564"/>
+                <p14:modId xmlns:p14="http://schemas.microsoft.com/office/powerpoint/2010/main" val="1737730197"/>
               </p:ext>
             </p:extLst>
           </p:nvPr>
         </p:nvGraphicFramePr>
         <p:xfrm>
           <a:off x="705072" y="1550758"/>
-          <a:ext cx="1999660" cy="3523560"/>
+          <a:ext cx="1999660" cy="3255871"/>
         </p:xfrm>
         <a:graphic>
           <a:graphicData uri="http://schemas.openxmlformats.org/drawingml/2006/table">
@@ -4108,18 +4106,6 @@
                     <a:lstStyle/>
                     <a:p>
                       <a:pPr latinLnBrk="1"/>
-                      <a:r>
-                        <a:rPr lang="en-US" altLang="ko-KR" dirty="0"/>
-                        <a:t>(</a:t>
-                      </a:r>
-                      <a:r>
-                        <a:rPr lang="ko-KR" altLang="en-US" dirty="0"/>
-                        <a:t>라디오버튼형식</a:t>
-                      </a:r>
-                      <a:r>
-                        <a:rPr lang="en-US" altLang="ko-KR" dirty="0"/>
-                        <a:t>)</a:t>
-                      </a:r>
                       <a:endParaRPr lang="ko-KR" altLang="en-US" dirty="0"/>
                     </a:p>
                   </a:txBody>
@@ -4393,13 +4379,13 @@
           <p:nvPr>
             <p:extLst>
               <p:ext uri="{D42A27DB-BD31-4B8C-83A1-F6EECF244321}">
-                <p14:modId xmlns:p14="http://schemas.microsoft.com/office/powerpoint/2010/main" val="2971530255"/>
+                <p14:modId xmlns:p14="http://schemas.microsoft.com/office/powerpoint/2010/main" val="1205170360"/>
               </p:ext>
             </p:extLst>
           </p:nvPr>
         </p:nvGraphicFramePr>
         <p:xfrm>
-          <a:off x="4277058" y="1794268"/>
+          <a:off x="3495826" y="1847536"/>
           <a:ext cx="2104994" cy="2709336"/>
         </p:xfrm>
         <a:graphic>
@@ -4473,7 +4459,15 @@
                       <a:pPr latinLnBrk="1"/>
                       <a:r>
                         <a:rPr lang="en-US" altLang="ko-KR" dirty="0"/>
-                        <a:t>Spicy</a:t>
+                        <a:t>Spicy(</a:t>
+                      </a:r>
+                      <a:r>
+                        <a:rPr lang="ko-KR" altLang="en-US" dirty="0"/>
+                        <a:t>매운맛</a:t>
+                      </a:r>
+                      <a:r>
+                        <a:rPr lang="en-US" altLang="ko-KR" dirty="0"/>
+                        <a:t>)</a:t>
                       </a:r>
                       <a:endParaRPr lang="ko-KR" altLang="en-US" dirty="0"/>
                     </a:p>
@@ -4506,7 +4500,15 @@
                       <a:pPr latinLnBrk="1"/>
                       <a:r>
                         <a:rPr lang="en-US" altLang="ko-KR" dirty="0"/>
-                        <a:t>Savory</a:t>
+                        <a:t>Savory(</a:t>
+                      </a:r>
+                      <a:r>
+                        <a:rPr lang="ko-KR" altLang="en-US" dirty="0"/>
+                        <a:t>짠맛</a:t>
+                      </a:r>
+                      <a:r>
+                        <a:rPr lang="en-US" altLang="ko-KR" dirty="0"/>
+                        <a:t>)</a:t>
                       </a:r>
                       <a:endParaRPr lang="ko-KR" altLang="en-US" dirty="0"/>
                     </a:p>
@@ -4539,7 +4541,15 @@
                       <a:pPr latinLnBrk="1"/>
                       <a:r>
                         <a:rPr lang="en-US" altLang="ko-KR" dirty="0"/>
-                        <a:t>sweet</a:t>
+                        <a:t>Sweet(</a:t>
+                      </a:r>
+                      <a:r>
+                        <a:rPr lang="ko-KR" altLang="en-US" dirty="0"/>
+                        <a:t>단맛</a:t>
+                      </a:r>
+                      <a:r>
+                        <a:rPr lang="en-US" altLang="ko-KR" dirty="0"/>
+                        <a:t>)</a:t>
                       </a:r>
                       <a:endParaRPr lang="ko-KR" altLang="en-US" dirty="0"/>
                     </a:p>
@@ -4719,7 +4729,7 @@
           <p:nvPr>
             <p:extLst>
               <p:ext uri="{D42A27DB-BD31-4B8C-83A1-F6EECF244321}">
-                <p14:modId xmlns:p14="http://schemas.microsoft.com/office/powerpoint/2010/main" val="3610052218"/>
+                <p14:modId xmlns:p14="http://schemas.microsoft.com/office/powerpoint/2010/main" val="548257287"/>
               </p:ext>
             </p:extLst>
           </p:nvPr>
@@ -4778,15 +4788,7 @@
                       <a:pPr latinLnBrk="1"/>
                       <a:r>
                         <a:rPr lang="ko-KR" altLang="en-US" dirty="0"/>
-                        <a:t>사진</a:t>
-                      </a:r>
-                      <a:endParaRPr lang="en-US" altLang="ko-KR" dirty="0"/>
-                    </a:p>
-                    <a:p>
-                      <a:pPr latinLnBrk="1"/>
-                      <a:r>
-                        <a:rPr lang="ko-KR" altLang="en-US" dirty="0"/>
-                        <a:t>메뉴</a:t>
+                        <a:t>주재료</a:t>
                       </a:r>
                       <a:r>
                         <a:rPr lang="en-US" altLang="ko-KR" dirty="0"/>
@@ -4834,15 +4836,7 @@
                       <a:pPr latinLnBrk="1"/>
                       <a:r>
                         <a:rPr lang="ko-KR" altLang="en-US" dirty="0"/>
-                        <a:t>사진</a:t>
-                      </a:r>
-                      <a:endParaRPr lang="en-US" altLang="ko-KR" dirty="0"/>
-                    </a:p>
-                    <a:p>
-                      <a:pPr latinLnBrk="1"/>
-                      <a:r>
-                        <a:rPr lang="ko-KR" altLang="en-US" dirty="0"/>
-                        <a:t>메뉴</a:t>
+                        <a:t>주재료</a:t>
                       </a:r>
                       <a:r>
                         <a:rPr lang="en-US" altLang="ko-KR" dirty="0"/>
@@ -4890,15 +4884,7 @@
                       <a:pPr latinLnBrk="1"/>
                       <a:r>
                         <a:rPr lang="ko-KR" altLang="en-US" dirty="0"/>
-                        <a:t>사진</a:t>
-                      </a:r>
-                      <a:endParaRPr lang="en-US" altLang="ko-KR" dirty="0"/>
-                    </a:p>
-                    <a:p>
-                      <a:pPr latinLnBrk="1"/>
-                      <a:r>
-                        <a:rPr lang="ko-KR" altLang="en-US" dirty="0"/>
-                        <a:t>메뉴</a:t>
+                        <a:t>주재료</a:t>
                       </a:r>
                       <a:r>
                         <a:rPr lang="en-US" altLang="ko-KR" dirty="0"/>
@@ -4926,6 +4912,210 @@
     <p:extLst>
       <p:ext uri="{BB962C8B-B14F-4D97-AF65-F5344CB8AC3E}">
         <p14:creationId xmlns:p14="http://schemas.microsoft.com/office/powerpoint/2010/main" val="2077911848"/>
+      </p:ext>
+    </p:extLst>
+  </p:cSld>
+  <p:clrMapOvr>
+    <a:masterClrMapping/>
+  </p:clrMapOvr>
+</p:sld>
+</file>
+
+<file path=ppt/slides/slide3.xml><?xml version="1.0" encoding="utf-8"?>
+<p:sld xmlns:a="http://schemas.openxmlformats.org/drawingml/2006/main" xmlns:r="http://schemas.openxmlformats.org/officeDocument/2006/relationships" xmlns:p="http://schemas.openxmlformats.org/presentationml/2006/main">
+  <p:cSld>
+    <p:spTree>
+      <p:nvGrpSpPr>
+        <p:cNvPr id="1" name=""/>
+        <p:cNvGrpSpPr/>
+        <p:nvPr/>
+      </p:nvGrpSpPr>
+      <p:grpSpPr>
+        <a:xfrm>
+          <a:off x="0" y="0"/>
+          <a:ext cx="0" cy="0"/>
+          <a:chOff x="0" y="0"/>
+          <a:chExt cx="0" cy="0"/>
+        </a:xfrm>
+      </p:grpSpPr>
+      <p:pic>
+        <p:nvPicPr>
+          <p:cNvPr id="22" name="그림 21">
+            <a:extLst>
+              <a:ext uri="{FF2B5EF4-FFF2-40B4-BE49-F238E27FC236}">
+                <a16:creationId xmlns:a16="http://schemas.microsoft.com/office/drawing/2014/main" id="{1A086B40-087D-9D09-56F4-FF70CBB48DE0}"/>
+              </a:ext>
+            </a:extLst>
+          </p:cNvPr>
+          <p:cNvPicPr>
+            <a:picLocks noChangeAspect="1"/>
+          </p:cNvPicPr>
+          <p:nvPr/>
+        </p:nvPicPr>
+        <p:blipFill>
+          <a:blip r:embed="rId2">
+            <a:extLst>
+              <a:ext uri="{28A0092B-C50C-407E-A947-70E740481C1C}">
+                <a14:useLocalDpi xmlns:a14="http://schemas.microsoft.com/office/drawing/2010/main" val="0"/>
+              </a:ext>
+            </a:extLst>
+          </a:blip>
+          <a:srcRect/>
+          <a:stretch>
+            <a:fillRect/>
+          </a:stretch>
+        </p:blipFill>
+        <p:spPr bwMode="auto">
+          <a:xfrm>
+            <a:off x="324929" y="578866"/>
+            <a:ext cx="8094088" cy="3481070"/>
+          </a:xfrm>
+          <a:prstGeom prst="rect">
+            <a:avLst/>
+          </a:prstGeom>
+          <a:noFill/>
+        </p:spPr>
+      </p:pic>
+      <p:pic>
+        <p:nvPicPr>
+          <p:cNvPr id="27" name="그림 26">
+            <a:extLst>
+              <a:ext uri="{FF2B5EF4-FFF2-40B4-BE49-F238E27FC236}">
+                <a16:creationId xmlns:a16="http://schemas.microsoft.com/office/drawing/2014/main" id="{CCCC0CF7-AFDF-04D6-ED8D-938E4F8F6110}"/>
+              </a:ext>
+            </a:extLst>
+          </p:cNvPr>
+          <p:cNvPicPr>
+            <a:picLocks noChangeAspect="1"/>
+          </p:cNvPicPr>
+          <p:nvPr/>
+        </p:nvPicPr>
+        <p:blipFill>
+          <a:blip r:embed="rId3">
+            <a:extLst>
+              <a:ext uri="{28A0092B-C50C-407E-A947-70E740481C1C}">
+                <a14:useLocalDpi xmlns:a14="http://schemas.microsoft.com/office/drawing/2010/main" val="0"/>
+              </a:ext>
+            </a:extLst>
+          </a:blip>
+          <a:srcRect/>
+          <a:stretch>
+            <a:fillRect/>
+          </a:stretch>
+        </p:blipFill>
+        <p:spPr bwMode="auto">
+          <a:xfrm>
+            <a:off x="9015984" y="578865"/>
+            <a:ext cx="1418114" cy="2725230"/>
+          </a:xfrm>
+          <a:prstGeom prst="rect">
+            <a:avLst/>
+          </a:prstGeom>
+          <a:noFill/>
+        </p:spPr>
+      </p:pic>
+      <p:sp>
+        <p:nvSpPr>
+          <p:cNvPr id="28" name="화살표: 오른쪽 27">
+            <a:extLst>
+              <a:ext uri="{FF2B5EF4-FFF2-40B4-BE49-F238E27FC236}">
+                <a16:creationId xmlns:a16="http://schemas.microsoft.com/office/drawing/2014/main" id="{B5DB7C17-B67F-E8CC-260C-8C384E5571D4}"/>
+              </a:ext>
+            </a:extLst>
+          </p:cNvPr>
+          <p:cNvSpPr/>
+          <p:nvPr/>
+        </p:nvSpPr>
+        <p:spPr>
+          <a:xfrm>
+            <a:off x="8579613" y="1546391"/>
+            <a:ext cx="436371" cy="790179"/>
+          </a:xfrm>
+          <a:prstGeom prst="rightArrow">
+            <a:avLst/>
+          </a:prstGeom>
+          <a:solidFill>
+            <a:srgbClr val="FFFF00"/>
+          </a:solidFill>
+        </p:spPr>
+        <p:style>
+          <a:lnRef idx="2">
+            <a:schemeClr val="accent1">
+              <a:shade val="50000"/>
+            </a:schemeClr>
+          </a:lnRef>
+          <a:fillRef idx="1">
+            <a:schemeClr val="accent1"/>
+          </a:fillRef>
+          <a:effectRef idx="0">
+            <a:schemeClr val="accent1"/>
+          </a:effectRef>
+          <a:fontRef idx="minor">
+            <a:schemeClr val="lt1"/>
+          </a:fontRef>
+        </p:style>
+        <p:txBody>
+          <a:bodyPr rtlCol="0" anchor="ctr"/>
+          <a:lstStyle/>
+          <a:p>
+            <a:pPr algn="ctr"/>
+            <a:endParaRPr lang="en-US" altLang="ko-KR" dirty="0"/>
+          </a:p>
+        </p:txBody>
+      </p:sp>
+      <p:sp>
+        <p:nvSpPr>
+          <p:cNvPr id="29" name="직사각형 28">
+            <a:extLst>
+              <a:ext uri="{FF2B5EF4-FFF2-40B4-BE49-F238E27FC236}">
+                <a16:creationId xmlns:a16="http://schemas.microsoft.com/office/drawing/2014/main" id="{63D25531-58BE-C6E5-58BC-218EE6CEF1F4}"/>
+              </a:ext>
+            </a:extLst>
+          </p:cNvPr>
+          <p:cNvSpPr/>
+          <p:nvPr/>
+        </p:nvSpPr>
+        <p:spPr>
+          <a:xfrm>
+            <a:off x="9094105" y="3392424"/>
+            <a:ext cx="1261872" cy="630936"/>
+          </a:xfrm>
+          <a:prstGeom prst="rect">
+            <a:avLst/>
+          </a:prstGeom>
+        </p:spPr>
+        <p:style>
+          <a:lnRef idx="2">
+            <a:schemeClr val="accent4">
+              <a:shade val="50000"/>
+            </a:schemeClr>
+          </a:lnRef>
+          <a:fillRef idx="1">
+            <a:schemeClr val="accent4"/>
+          </a:fillRef>
+          <a:effectRef idx="0">
+            <a:schemeClr val="accent4"/>
+          </a:effectRef>
+          <a:fontRef idx="minor">
+            <a:schemeClr val="lt1"/>
+          </a:fontRef>
+        </p:style>
+        <p:txBody>
+          <a:bodyPr rtlCol="0" anchor="ctr"/>
+          <a:lstStyle/>
+          <a:p>
+            <a:pPr algn="ctr"/>
+            <a:r>
+              <a:rPr lang="ko-KR" altLang="en-US" dirty="0"/>
+              <a:t>최종 화면</a:t>
+            </a:r>
+          </a:p>
+        </p:txBody>
+      </p:sp>
+    </p:spTree>
+    <p:extLst>
+      <p:ext uri="{BB962C8B-B14F-4D97-AF65-F5344CB8AC3E}">
+        <p14:creationId xmlns:p14="http://schemas.microsoft.com/office/powerpoint/2010/main" val="4051911972"/>
       </p:ext>
     </p:extLst>
   </p:cSld>
